--- a/6.Crypto/1.Full Course/7.EllipticCurve/Cryptology7-Elliptic-Curve.pptx
+++ b/6.Crypto/1.Full Course/7.EllipticCurve/Cryptology7-Elliptic-Curve.pptx
@@ -5,7 +5,7 @@
     <p:sldMasterId id="2147483648" r:id="rId1"/>
   </p:sldMasterIdLst>
   <p:notesMasterIdLst>
-    <p:notesMasterId r:id="rId17"/>
+    <p:notesMasterId r:id="rId18"/>
   </p:notesMasterIdLst>
   <p:sldIdLst>
     <p:sldId id="256" r:id="rId2"/>
@@ -22,7 +22,8 @@
     <p:sldId id="267" r:id="rId13"/>
     <p:sldId id="268" r:id="rId14"/>
     <p:sldId id="270" r:id="rId15"/>
-    <p:sldId id="271" r:id="rId16"/>
+    <p:sldId id="273" r:id="rId16"/>
+    <p:sldId id="271" r:id="rId17"/>
   </p:sldIdLst>
   <p:sldSz cx="12192000" cy="6858000"/>
   <p:notesSz cx="6858000" cy="9144000"/>
@@ -214,7 +215,7 @@
           <a:p>
             <a:fld id="{94D81996-0227-44CA-AC4C-032645537F57}" type="datetimeFigureOut">
               <a:rPr lang="en-US" smtClean="0"/>
-              <a:t>3/13/2023</a:t>
+              <a:t>2/26/2024</a:t>
             </a:fld>
             <a:endParaRPr lang="en-US"/>
           </a:p>
@@ -2417,7 +2418,7 @@
           <a:p>
             <a:fld id="{1451AC46-F7BF-44D3-9ECB-7DDAC9A69083}" type="datetimeFigureOut">
               <a:rPr lang="en-US" smtClean="0"/>
-              <a:t>3/13/2023</a:t>
+              <a:t>2/26/2024</a:t>
             </a:fld>
             <a:endParaRPr lang="en-US"/>
           </a:p>
@@ -2615,7 +2616,7 @@
           <a:p>
             <a:fld id="{1451AC46-F7BF-44D3-9ECB-7DDAC9A69083}" type="datetimeFigureOut">
               <a:rPr lang="en-US" smtClean="0"/>
-              <a:t>3/13/2023</a:t>
+              <a:t>2/26/2024</a:t>
             </a:fld>
             <a:endParaRPr lang="en-US"/>
           </a:p>
@@ -2823,7 +2824,7 @@
           <a:p>
             <a:fld id="{1451AC46-F7BF-44D3-9ECB-7DDAC9A69083}" type="datetimeFigureOut">
               <a:rPr lang="en-US" smtClean="0"/>
-              <a:t>3/13/2023</a:t>
+              <a:t>2/26/2024</a:t>
             </a:fld>
             <a:endParaRPr lang="en-US"/>
           </a:p>
@@ -3021,7 +3022,7 @@
           <a:p>
             <a:fld id="{1451AC46-F7BF-44D3-9ECB-7DDAC9A69083}" type="datetimeFigureOut">
               <a:rPr lang="en-US" smtClean="0"/>
-              <a:t>3/13/2023</a:t>
+              <a:t>2/26/2024</a:t>
             </a:fld>
             <a:endParaRPr lang="en-US"/>
           </a:p>
@@ -3296,7 +3297,7 @@
           <a:p>
             <a:fld id="{1451AC46-F7BF-44D3-9ECB-7DDAC9A69083}" type="datetimeFigureOut">
               <a:rPr lang="en-US" smtClean="0"/>
-              <a:t>3/13/2023</a:t>
+              <a:t>2/26/2024</a:t>
             </a:fld>
             <a:endParaRPr lang="en-US"/>
           </a:p>
@@ -3561,7 +3562,7 @@
           <a:p>
             <a:fld id="{1451AC46-F7BF-44D3-9ECB-7DDAC9A69083}" type="datetimeFigureOut">
               <a:rPr lang="en-US" smtClean="0"/>
-              <a:t>3/13/2023</a:t>
+              <a:t>2/26/2024</a:t>
             </a:fld>
             <a:endParaRPr lang="en-US"/>
           </a:p>
@@ -3973,7 +3974,7 @@
           <a:p>
             <a:fld id="{1451AC46-F7BF-44D3-9ECB-7DDAC9A69083}" type="datetimeFigureOut">
               <a:rPr lang="en-US" smtClean="0"/>
-              <a:t>3/13/2023</a:t>
+              <a:t>2/26/2024</a:t>
             </a:fld>
             <a:endParaRPr lang="en-US"/>
           </a:p>
@@ -4114,7 +4115,7 @@
           <a:p>
             <a:fld id="{1451AC46-F7BF-44D3-9ECB-7DDAC9A69083}" type="datetimeFigureOut">
               <a:rPr lang="en-US" smtClean="0"/>
-              <a:t>3/13/2023</a:t>
+              <a:t>2/26/2024</a:t>
             </a:fld>
             <a:endParaRPr lang="en-US"/>
           </a:p>
@@ -4227,7 +4228,7 @@
           <a:p>
             <a:fld id="{1451AC46-F7BF-44D3-9ECB-7DDAC9A69083}" type="datetimeFigureOut">
               <a:rPr lang="en-US" smtClean="0"/>
-              <a:t>3/13/2023</a:t>
+              <a:t>2/26/2024</a:t>
             </a:fld>
             <a:endParaRPr lang="en-US"/>
           </a:p>
@@ -4538,7 +4539,7 @@
           <a:p>
             <a:fld id="{1451AC46-F7BF-44D3-9ECB-7DDAC9A69083}" type="datetimeFigureOut">
               <a:rPr lang="en-US" smtClean="0"/>
-              <a:t>3/13/2023</a:t>
+              <a:t>2/26/2024</a:t>
             </a:fld>
             <a:endParaRPr lang="en-US"/>
           </a:p>
@@ -4826,7 +4827,7 @@
           <a:p>
             <a:fld id="{1451AC46-F7BF-44D3-9ECB-7DDAC9A69083}" type="datetimeFigureOut">
               <a:rPr lang="en-US" smtClean="0"/>
-              <a:t>3/13/2023</a:t>
+              <a:t>2/26/2024</a:t>
             </a:fld>
             <a:endParaRPr lang="en-US"/>
           </a:p>
@@ -5067,7 +5068,7 @@
           <a:p>
             <a:fld id="{1451AC46-F7BF-44D3-9ECB-7DDAC9A69083}" type="datetimeFigureOut">
               <a:rPr lang="en-US" smtClean="0"/>
-              <a:t>3/13/2023</a:t>
+              <a:t>2/26/2024</a:t>
             </a:fld>
             <a:endParaRPr lang="en-US"/>
           </a:p>
@@ -7451,6 +7452,104 @@
           <p:cNvPr id="2" name="Title 1">
             <a:extLst>
               <a:ext uri="{FF2B5EF4-FFF2-40B4-BE49-F238E27FC236}">
+                <a16:creationId xmlns:a16="http://schemas.microsoft.com/office/drawing/2014/main" id="{6869BD81-EA35-F22A-83AF-5E39F6D583AA}"/>
+              </a:ext>
+            </a:extLst>
+          </p:cNvPr>
+          <p:cNvSpPr>
+            <a:spLocks noGrp="1"/>
+          </p:cNvSpPr>
+          <p:nvPr>
+            <p:ph type="title"/>
+          </p:nvPr>
+        </p:nvSpPr>
+        <p:spPr/>
+        <p:txBody>
+          <a:bodyPr/>
+          <a:lstStyle/>
+          <a:p>
+            <a:r>
+              <a:rPr lang="en-US" dirty="0"/>
+              <a:t>It is always more complicated (1)</a:t>
+            </a:r>
+          </a:p>
+        </p:txBody>
+      </p:sp>
+      <p:sp>
+        <p:nvSpPr>
+          <p:cNvPr id="3" name="Content Placeholder 2">
+            <a:extLst>
+              <a:ext uri="{FF2B5EF4-FFF2-40B4-BE49-F238E27FC236}">
+                <a16:creationId xmlns:a16="http://schemas.microsoft.com/office/drawing/2014/main" id="{70698CF0-6D89-CD01-7CBA-BB14E6B4A9DA}"/>
+              </a:ext>
+            </a:extLst>
+          </p:cNvPr>
+          <p:cNvSpPr>
+            <a:spLocks noGrp="1"/>
+          </p:cNvSpPr>
+          <p:nvPr>
+            <p:ph idx="1"/>
+          </p:nvPr>
+        </p:nvSpPr>
+        <p:spPr/>
+        <p:txBody>
+          <a:bodyPr/>
+          <a:lstStyle/>
+          <a:p>
+            <a:r>
+              <a:rPr lang="en-US" dirty="0"/>
+              <a:t>Like Diffie-Hellman Key Exchange (DHKE), the basic Elliptic Curve Diffie-Hellman (ECDHKE) does not provide authentication or protection against Man in the Middle (MITM) attacks</a:t>
+            </a:r>
+          </a:p>
+          <a:p>
+            <a:r>
+              <a:rPr lang="en-US" dirty="0"/>
+              <a:t>In TLS, the client authenticates the server’s digital certificate.</a:t>
+            </a:r>
+          </a:p>
+          <a:p>
+            <a:r>
+              <a:rPr lang="en-US" dirty="0"/>
+              <a:t>The server signs its DHKE public key with the certificate’s private key</a:t>
+            </a:r>
+          </a:p>
+        </p:txBody>
+      </p:sp>
+    </p:spTree>
+    <p:extLst>
+      <p:ext uri="{BB962C8B-B14F-4D97-AF65-F5344CB8AC3E}">
+        <p14:creationId xmlns:p14="http://schemas.microsoft.com/office/powerpoint/2010/main" val="2519635809"/>
+      </p:ext>
+    </p:extLst>
+  </p:cSld>
+  <p:clrMapOvr>
+    <a:masterClrMapping/>
+  </p:clrMapOvr>
+</p:sld>
+</file>
+
+<file path=ppt/slides/slide16.xml><?xml version="1.0" encoding="utf-8"?>
+<p:sld xmlns:a="http://schemas.openxmlformats.org/drawingml/2006/main" xmlns:r="http://schemas.openxmlformats.org/officeDocument/2006/relationships" xmlns:p="http://schemas.openxmlformats.org/presentationml/2006/main">
+  <p:cSld>
+    <p:spTree>
+      <p:nvGrpSpPr>
+        <p:cNvPr id="1" name=""/>
+        <p:cNvGrpSpPr/>
+        <p:nvPr/>
+      </p:nvGrpSpPr>
+      <p:grpSpPr>
+        <a:xfrm>
+          <a:off x="0" y="0"/>
+          <a:ext cx="0" cy="0"/>
+          <a:chOff x="0" y="0"/>
+          <a:chExt cx="0" cy="0"/>
+        </a:xfrm>
+      </p:grpSpPr>
+      <p:sp>
+        <p:nvSpPr>
+          <p:cNvPr id="2" name="Title 1">
+            <a:extLst>
+              <a:ext uri="{FF2B5EF4-FFF2-40B4-BE49-F238E27FC236}">
                 <a16:creationId xmlns:a16="http://schemas.microsoft.com/office/drawing/2014/main" id="{4D3E7596-492D-A5F7-6A72-2FD515A9794B}"/>
               </a:ext>
             </a:extLst>
@@ -7469,7 +7568,7 @@
           <a:p>
             <a:r>
               <a:rPr lang="en-US" dirty="0"/>
-              <a:t>It is always more complicated</a:t>
+              <a:t>It is always more complicated (2)</a:t>
             </a:r>
           </a:p>
         </p:txBody>
@@ -7499,7 +7598,7 @@
           <a:p>
             <a:r>
               <a:rPr lang="en-US" dirty="0"/>
-              <a:t>The shared secret created by Elliptic Curves method is processed before becoming a key.</a:t>
+              <a:t>The shared secret created by Elliptic Curves method is processed before it becomes a key.</a:t>
             </a:r>
           </a:p>
           <a:p>
@@ -7511,13 +7610,8 @@
           <a:p>
             <a:r>
               <a:rPr lang="en-US" dirty="0"/>
-              <a:t>Extra processing is usually a Key Derivation Function (KDF) consisting of hashing, padding, and an optional nonce </a:t>
-            </a:r>
-            <a:r>
-              <a:rPr lang="en-US"/>
-              <a:t>or salt.</a:t>
-            </a:r>
-            <a:endParaRPr lang="en-US" dirty="0"/>
+              <a:t>Extra processing is usually a Key Derivation Function (KDF) consisting of hashing, padding, and an optional nonce or salt.</a:t>
+            </a:r>
           </a:p>
           <a:p>
             <a:r>
@@ -9556,8 +9650,14 @@
               <a:buNone/>
             </a:pPr>
             <a:r>
+              <a:rPr lang="en-US" sz="2100" dirty="0">
+                <a:hlinkClick r:id="rId3"/>
+              </a:rPr>
+              <a:t>https://andrea.corbellini.name/ecc/interactive/modk-mul.html</a:t>
+            </a:r>
+            <a:r>
               <a:rPr lang="en-US" sz="2100" dirty="0"/>
-              <a:t>https://andrea.corbellini.name/ecc/interactive/modk-mul.html</a:t>
+              <a:t> </a:t>
             </a:r>
             <a:endParaRPr lang="en-US" dirty="0"/>
           </a:p>
@@ -9578,7 +9678,7 @@
           <p:nvPr/>
         </p:nvPicPr>
         <p:blipFill>
-          <a:blip r:embed="rId3"/>
+          <a:blip r:embed="rId4"/>
           <a:stretch>
             <a:fillRect/>
           </a:stretch>
@@ -9809,7 +9909,7 @@
             </a:r>
             <a:r>
               <a:rPr lang="en-US" sz="1400" dirty="0">
-                <a:hlinkClick r:id="rId4"/>
+                <a:hlinkClick r:id="rId5"/>
               </a:rPr>
               <a:t>http://www.christelbach.com/eccalculator.aspx</a:t>
             </a:r>
@@ -9830,7 +9930,7 @@
             </a:r>
             <a:r>
               <a:rPr lang="en-US" sz="1400" dirty="0">
-                <a:hlinkClick r:id="rId5"/>
+                <a:hlinkClick r:id="rId6"/>
               </a:rPr>
               <a:t>https://www.desmos.com/calculator/ialhd71we3</a:t>
             </a:r>

--- a/6.Crypto/1.Full Course/7.EllipticCurve/Cryptology7-Elliptic-Curve.pptx
+++ b/6.Crypto/1.Full Course/7.EllipticCurve/Cryptology7-Elliptic-Curve.pptx
@@ -215,7 +215,7 @@
           <a:p>
             <a:fld id="{94D81996-0227-44CA-AC4C-032645537F57}" type="datetimeFigureOut">
               <a:rPr lang="en-US" smtClean="0"/>
-              <a:t>2/26/2024</a:t>
+              <a:t>3/1/2024</a:t>
             </a:fld>
             <a:endParaRPr lang="en-US"/>
           </a:p>
@@ -2418,7 +2418,7 @@
           <a:p>
             <a:fld id="{1451AC46-F7BF-44D3-9ECB-7DDAC9A69083}" type="datetimeFigureOut">
               <a:rPr lang="en-US" smtClean="0"/>
-              <a:t>2/26/2024</a:t>
+              <a:t>3/1/2024</a:t>
             </a:fld>
             <a:endParaRPr lang="en-US"/>
           </a:p>
@@ -2616,7 +2616,7 @@
           <a:p>
             <a:fld id="{1451AC46-F7BF-44D3-9ECB-7DDAC9A69083}" type="datetimeFigureOut">
               <a:rPr lang="en-US" smtClean="0"/>
-              <a:t>2/26/2024</a:t>
+              <a:t>3/1/2024</a:t>
             </a:fld>
             <a:endParaRPr lang="en-US"/>
           </a:p>
@@ -2824,7 +2824,7 @@
           <a:p>
             <a:fld id="{1451AC46-F7BF-44D3-9ECB-7DDAC9A69083}" type="datetimeFigureOut">
               <a:rPr lang="en-US" smtClean="0"/>
-              <a:t>2/26/2024</a:t>
+              <a:t>3/1/2024</a:t>
             </a:fld>
             <a:endParaRPr lang="en-US"/>
           </a:p>
@@ -3022,7 +3022,7 @@
           <a:p>
             <a:fld id="{1451AC46-F7BF-44D3-9ECB-7DDAC9A69083}" type="datetimeFigureOut">
               <a:rPr lang="en-US" smtClean="0"/>
-              <a:t>2/26/2024</a:t>
+              <a:t>3/1/2024</a:t>
             </a:fld>
             <a:endParaRPr lang="en-US"/>
           </a:p>
@@ -3297,7 +3297,7 @@
           <a:p>
             <a:fld id="{1451AC46-F7BF-44D3-9ECB-7DDAC9A69083}" type="datetimeFigureOut">
               <a:rPr lang="en-US" smtClean="0"/>
-              <a:t>2/26/2024</a:t>
+              <a:t>3/1/2024</a:t>
             </a:fld>
             <a:endParaRPr lang="en-US"/>
           </a:p>
@@ -3562,7 +3562,7 @@
           <a:p>
             <a:fld id="{1451AC46-F7BF-44D3-9ECB-7DDAC9A69083}" type="datetimeFigureOut">
               <a:rPr lang="en-US" smtClean="0"/>
-              <a:t>2/26/2024</a:t>
+              <a:t>3/1/2024</a:t>
             </a:fld>
             <a:endParaRPr lang="en-US"/>
           </a:p>
@@ -3974,7 +3974,7 @@
           <a:p>
             <a:fld id="{1451AC46-F7BF-44D3-9ECB-7DDAC9A69083}" type="datetimeFigureOut">
               <a:rPr lang="en-US" smtClean="0"/>
-              <a:t>2/26/2024</a:t>
+              <a:t>3/1/2024</a:t>
             </a:fld>
             <a:endParaRPr lang="en-US"/>
           </a:p>
@@ -4115,7 +4115,7 @@
           <a:p>
             <a:fld id="{1451AC46-F7BF-44D3-9ECB-7DDAC9A69083}" type="datetimeFigureOut">
               <a:rPr lang="en-US" smtClean="0"/>
-              <a:t>2/26/2024</a:t>
+              <a:t>3/1/2024</a:t>
             </a:fld>
             <a:endParaRPr lang="en-US"/>
           </a:p>
@@ -4228,7 +4228,7 @@
           <a:p>
             <a:fld id="{1451AC46-F7BF-44D3-9ECB-7DDAC9A69083}" type="datetimeFigureOut">
               <a:rPr lang="en-US" smtClean="0"/>
-              <a:t>2/26/2024</a:t>
+              <a:t>3/1/2024</a:t>
             </a:fld>
             <a:endParaRPr lang="en-US"/>
           </a:p>
@@ -4539,7 +4539,7 @@
           <a:p>
             <a:fld id="{1451AC46-F7BF-44D3-9ECB-7DDAC9A69083}" type="datetimeFigureOut">
               <a:rPr lang="en-US" smtClean="0"/>
-              <a:t>2/26/2024</a:t>
+              <a:t>3/1/2024</a:t>
             </a:fld>
             <a:endParaRPr lang="en-US"/>
           </a:p>
@@ -4827,7 +4827,7 @@
           <a:p>
             <a:fld id="{1451AC46-F7BF-44D3-9ECB-7DDAC9A69083}" type="datetimeFigureOut">
               <a:rPr lang="en-US" smtClean="0"/>
-              <a:t>2/26/2024</a:t>
+              <a:t>3/1/2024</a:t>
             </a:fld>
             <a:endParaRPr lang="en-US"/>
           </a:p>
@@ -5068,7 +5068,7 @@
           <a:p>
             <a:fld id="{1451AC46-F7BF-44D3-9ECB-7DDAC9A69083}" type="datetimeFigureOut">
               <a:rPr lang="en-US" smtClean="0"/>
-              <a:t>2/26/2024</a:t>
+              <a:t>3/1/2024</a:t>
             </a:fld>
             <a:endParaRPr lang="en-US"/>
           </a:p>
@@ -6655,7 +6655,15 @@
                   <a:schemeClr val="tx1"/>
                 </a:solidFill>
               </a:rPr>
-              <a:t>B(</a:t>
+              <a:t>b</a:t>
+            </a:r>
+            <a:r>
+              <a:rPr lang="en-US" sz="2000">
+                <a:solidFill>
+                  <a:schemeClr val="tx1"/>
+                </a:solidFill>
+              </a:rPr>
+              <a:t>(</a:t>
             </a:r>
             <a:r>
               <a:rPr lang="en-US" sz="2000" dirty="0" err="1">
@@ -7278,8 +7286,13 @@
           <a:p>
             <a:r>
               <a:rPr lang="en-US" dirty="0"/>
-              <a:t>Expected to become predominant method soon</a:t>
-            </a:r>
+              <a:t>Is now </a:t>
+            </a:r>
+            <a:r>
+              <a:rPr lang="en-US"/>
+              <a:t>predominant method</a:t>
+            </a:r>
+            <a:endParaRPr lang="en-US" dirty="0"/>
           </a:p>
         </p:txBody>
       </p:sp>
@@ -8605,85 +8618,85 @@
           <a:lstStyle/>
           <a:p>
             <a:r>
-              <a:rPr lang="en-US"/>
+              <a:rPr lang="en-US" dirty="0"/>
               <a:t>In real numbers, an elliptic curve satisfies</a:t>
             </a:r>
           </a:p>
           <a:p>
             <a:pPr lvl="1"/>
             <a:r>
-              <a:rPr lang="en-US" sz="3200"/>
+              <a:rPr lang="en-US" sz="3200" dirty="0"/>
               <a:t>y</a:t>
             </a:r>
             <a:r>
-              <a:rPr lang="en-US" sz="3200" baseline="30000"/>
+              <a:rPr lang="en-US" sz="3200" baseline="30000" dirty="0"/>
               <a:t>2</a:t>
             </a:r>
             <a:r>
-              <a:rPr lang="en-US" sz="3200"/>
+              <a:rPr lang="en-US" sz="3200" dirty="0"/>
               <a:t> = x</a:t>
             </a:r>
             <a:r>
-              <a:rPr lang="en-US" sz="3200" baseline="30000"/>
+              <a:rPr lang="en-US" sz="3200" baseline="30000" dirty="0"/>
               <a:t>3</a:t>
             </a:r>
             <a:r>
-              <a:rPr lang="en-US" sz="3200"/>
+              <a:rPr lang="en-US" sz="3200" dirty="0"/>
               <a:t> + ax + b</a:t>
             </a:r>
           </a:p>
           <a:p>
             <a:pPr lvl="1"/>
             <a:r>
-              <a:rPr lang="en-US"/>
+              <a:rPr lang="en-US" dirty="0"/>
               <a:t>Discriminant -16(4a</a:t>
             </a:r>
             <a:r>
-              <a:rPr lang="en-US" baseline="30000"/>
+              <a:rPr lang="en-US" baseline="30000" dirty="0"/>
               <a:t>3</a:t>
             </a:r>
             <a:r>
-              <a:rPr lang="en-US"/>
+              <a:rPr lang="en-US" dirty="0"/>
               <a:t> + 27b</a:t>
             </a:r>
             <a:r>
-              <a:rPr lang="en-US" baseline="30000"/>
+              <a:rPr lang="en-US" baseline="30000" dirty="0"/>
               <a:t>2</a:t>
             </a:r>
             <a:r>
-              <a:rPr lang="en-US"/>
+              <a:rPr lang="en-US" dirty="0"/>
               <a:t>) ≠ 0 to prevent singularities</a:t>
             </a:r>
           </a:p>
           <a:p>
             <a:r>
-              <a:rPr lang="en-US"/>
+              <a:rPr lang="en-US" dirty="0"/>
               <a:t>We will use  a plot over real numbers as an analog for our new operation</a:t>
             </a:r>
           </a:p>
           <a:p>
             <a:r>
-              <a:rPr lang="en-US"/>
+              <a:rPr lang="en-US" dirty="0"/>
               <a:t>Graphs of several possible shapes in </a:t>
             </a:r>
             <a:r>
-              <a:rPr lang="en-US" sz="2000">
+              <a:rPr lang="en-US" sz="2000" dirty="0">
                 <a:hlinkClick r:id="rId3"/>
               </a:rPr>
               <a:t>http://andrea.corbellini.name/2015/05/17/elliptic-curve-cryptography-a-gentle-introduction/</a:t>
             </a:r>
             <a:r>
-              <a:rPr lang="en-US" sz="2000"/>
+              <a:rPr lang="en-US" sz="2000" dirty="0"/>
               <a:t>  or </a:t>
             </a:r>
             <a:r>
-              <a:rPr lang="en-US" sz="2000">
+              <a:rPr lang="en-US" sz="2000" dirty="0">
                 <a:hlinkClick r:id="rId4"/>
               </a:rPr>
               <a:t>https://en.wikipedia.org/wiki/Elliptic_curve</a:t>
             </a:r>
             <a:r>
-              <a:rPr lang="en-US" sz="2000"/>
+              <a:rPr lang="en-US" sz="2000" dirty="0"/>
               <a:t> </a:t>
             </a:r>
           </a:p>
@@ -8691,7 +8704,7 @@
             <a:pPr marL="0" indent="0">
               <a:buNone/>
             </a:pPr>
-            <a:endParaRPr lang="en-US"/>
+            <a:endParaRPr lang="en-US" dirty="0"/>
           </a:p>
         </p:txBody>
       </p:sp>
